--- a/docs/rust_pkg_1.pptx
+++ b/docs/rust_pkg_1.pptx
@@ -7014,7 +7014,7 @@
           <a:lstStyle/>
           <a:p>
             <a:r>
-              <a:rPr lang="en-IN" sz="6100" b="1" i="0">
+              <a:rPr lang="en-IN" sz="6100" b="1" i="0" dirty="0">
                 <a:solidFill>
                   <a:srgbClr val="FFFFFF"/>
                 </a:solidFill>
@@ -7024,7 +7024,7 @@
               <a:t>Demystifying Rust Packages</a:t>
             </a:r>
             <a:br>
-              <a:rPr lang="en-IN" sz="6100" b="0" i="0">
+              <a:rPr lang="en-IN" sz="6100" b="0" i="0" dirty="0">
                 <a:solidFill>
                   <a:srgbClr val="FFFFFF"/>
                 </a:solidFill>
@@ -7033,7 +7033,7 @@
               </a:rPr>
             </a:br>
             <a:br>
-              <a:rPr lang="en-IN" sz="6100" b="0" i="0">
+              <a:rPr lang="en-IN" sz="6100" b="0" i="0" dirty="0">
                 <a:solidFill>
                   <a:srgbClr val="FFFFFF"/>
                 </a:solidFill>
@@ -7042,7 +7042,7 @@
               </a:rPr>
             </a:br>
             <a:r>
-              <a:rPr lang="en-IN" sz="6100" b="0" i="0">
+              <a:rPr lang="en-IN" sz="6100" b="0" i="0" dirty="0">
                 <a:solidFill>
                   <a:srgbClr val="FFFFFF"/>
                 </a:solidFill>
@@ -7051,7 +7051,7 @@
               </a:rPr>
               <a:t>Part-1</a:t>
             </a:r>
-            <a:endParaRPr lang="en-US" sz="6100">
+            <a:endParaRPr lang="en-US" sz="6100" dirty="0">
               <a:solidFill>
                 <a:srgbClr val="FFFFFF"/>
               </a:solidFill>
@@ -7088,13 +7088,26 @@
           <a:lstStyle/>
           <a:p>
             <a:r>
-              <a:rPr lang="en-US" sz="2000">
+              <a:rPr lang="en-US" sz="2000" dirty="0">
                 <a:solidFill>
                   <a:srgbClr val="FFFFFF"/>
                 </a:solidFill>
               </a:rPr>
-              <a:t>Borsh Serializer/Deserializer</a:t>
+              <a:t>Borsh Serializer/</a:t>
             </a:r>
+            <a:r>
+              <a:rPr lang="en-US" sz="2000" dirty="0" err="1">
+                <a:solidFill>
+                  <a:srgbClr val="FFFFFF"/>
+                </a:solidFill>
+              </a:rPr>
+              <a:t>Deserializer</a:t>
+            </a:r>
+            <a:endParaRPr lang="en-US" sz="2000" dirty="0">
+              <a:solidFill>
+                <a:srgbClr val="FFFFFF"/>
+              </a:solidFill>
+            </a:endParaRPr>
           </a:p>
         </p:txBody>
       </p:sp>
